--- a/기획서/신버전/적대적 오브젝트 기획서.pptx
+++ b/기획서/신버전/적대적 오브젝트 기획서.pptx
@@ -229,7 +229,7 @@
           <a:p>
             <a:fld id="{D686C50E-113A-4B4A-8A5C-9EE1E9DBA064}" type="datetimeFigureOut">
               <a:rPr lang="ko-KR" altLang="en-US" smtClean="0"/>
-              <a:t>2021-04-29</a:t>
+              <a:t>2021-05-13</a:t>
             </a:fld>
             <a:endParaRPr lang="ko-KR" altLang="en-US" dirty="0"/>
           </a:p>
@@ -406,7 +406,7 @@
           <a:p>
             <a:fld id="{40EC3B2E-CA71-40FC-A78E-FA212ABD0BB7}" type="datetimeFigureOut">
               <a:rPr lang="ko-KR" altLang="en-US" smtClean="0"/>
-              <a:t>2021-04-29</a:t>
+              <a:t>2021-05-13</a:t>
             </a:fld>
             <a:endParaRPr lang="ko-KR" altLang="en-US" dirty="0"/>
           </a:p>
@@ -804,7 +804,7 @@
           <a:p>
             <a:fld id="{F8CAAD71-D53C-4447-AAA3-BC9075A67E69}" type="datetimeFigureOut">
               <a:rPr lang="ko-KR" altLang="en-US" smtClean="0"/>
-              <a:t>2021-04-29</a:t>
+              <a:t>2021-05-13</a:t>
             </a:fld>
             <a:endParaRPr lang="ko-KR" altLang="en-US" dirty="0"/>
           </a:p>
@@ -974,7 +974,7 @@
           <a:p>
             <a:fld id="{F8CAAD71-D53C-4447-AAA3-BC9075A67E69}" type="datetimeFigureOut">
               <a:rPr lang="ko-KR" altLang="en-US" smtClean="0"/>
-              <a:t>2021-04-29</a:t>
+              <a:t>2021-05-13</a:t>
             </a:fld>
             <a:endParaRPr lang="ko-KR" altLang="en-US" dirty="0"/>
           </a:p>
@@ -1154,7 +1154,7 @@
           <a:p>
             <a:fld id="{F8CAAD71-D53C-4447-AAA3-BC9075A67E69}" type="datetimeFigureOut">
               <a:rPr lang="ko-KR" altLang="en-US" smtClean="0"/>
-              <a:t>2021-04-29</a:t>
+              <a:t>2021-05-13</a:t>
             </a:fld>
             <a:endParaRPr lang="ko-KR" altLang="en-US" dirty="0"/>
           </a:p>
@@ -1324,7 +1324,7 @@
           <a:p>
             <a:fld id="{F8CAAD71-D53C-4447-AAA3-BC9075A67E69}" type="datetimeFigureOut">
               <a:rPr lang="ko-KR" altLang="en-US" smtClean="0"/>
-              <a:t>2021-04-29</a:t>
+              <a:t>2021-05-13</a:t>
             </a:fld>
             <a:endParaRPr lang="ko-KR" altLang="en-US" dirty="0"/>
           </a:p>
@@ -1570,7 +1570,7 @@
           <a:p>
             <a:fld id="{F8CAAD71-D53C-4447-AAA3-BC9075A67E69}" type="datetimeFigureOut">
               <a:rPr lang="ko-KR" altLang="en-US" smtClean="0"/>
-              <a:t>2021-04-29</a:t>
+              <a:t>2021-05-13</a:t>
             </a:fld>
             <a:endParaRPr lang="ko-KR" altLang="en-US" dirty="0"/>
           </a:p>
@@ -1802,7 +1802,7 @@
           <a:p>
             <a:fld id="{F8CAAD71-D53C-4447-AAA3-BC9075A67E69}" type="datetimeFigureOut">
               <a:rPr lang="ko-KR" altLang="en-US" smtClean="0"/>
-              <a:t>2021-04-29</a:t>
+              <a:t>2021-05-13</a:t>
             </a:fld>
             <a:endParaRPr lang="ko-KR" altLang="en-US" dirty="0"/>
           </a:p>
@@ -2169,7 +2169,7 @@
           <a:p>
             <a:fld id="{F8CAAD71-D53C-4447-AAA3-BC9075A67E69}" type="datetimeFigureOut">
               <a:rPr lang="ko-KR" altLang="en-US" smtClean="0"/>
-              <a:t>2021-04-29</a:t>
+              <a:t>2021-05-13</a:t>
             </a:fld>
             <a:endParaRPr lang="ko-KR" altLang="en-US" dirty="0"/>
           </a:p>
@@ -2287,7 +2287,7 @@
           <a:p>
             <a:fld id="{F8CAAD71-D53C-4447-AAA3-BC9075A67E69}" type="datetimeFigureOut">
               <a:rPr lang="ko-KR" altLang="en-US" smtClean="0"/>
-              <a:t>2021-04-29</a:t>
+              <a:t>2021-05-13</a:t>
             </a:fld>
             <a:endParaRPr lang="ko-KR" altLang="en-US" dirty="0"/>
           </a:p>
@@ -2382,7 +2382,7 @@
           <a:p>
             <a:fld id="{F8CAAD71-D53C-4447-AAA3-BC9075A67E69}" type="datetimeFigureOut">
               <a:rPr lang="ko-KR" altLang="en-US" smtClean="0"/>
-              <a:t>2021-04-29</a:t>
+              <a:t>2021-05-13</a:t>
             </a:fld>
             <a:endParaRPr lang="ko-KR" altLang="en-US" dirty="0"/>
           </a:p>
@@ -2659,7 +2659,7 @@
           <a:p>
             <a:fld id="{F8CAAD71-D53C-4447-AAA3-BC9075A67E69}" type="datetimeFigureOut">
               <a:rPr lang="ko-KR" altLang="en-US" smtClean="0"/>
-              <a:t>2021-04-29</a:t>
+              <a:t>2021-05-13</a:t>
             </a:fld>
             <a:endParaRPr lang="ko-KR" altLang="en-US" dirty="0"/>
           </a:p>
@@ -2916,7 +2916,7 @@
           <a:p>
             <a:fld id="{F8CAAD71-D53C-4447-AAA3-BC9075A67E69}" type="datetimeFigureOut">
               <a:rPr lang="ko-KR" altLang="en-US" smtClean="0"/>
-              <a:t>2021-04-29</a:t>
+              <a:t>2021-05-13</a:t>
             </a:fld>
             <a:endParaRPr lang="ko-KR" altLang="en-US" dirty="0"/>
           </a:p>
@@ -3134,7 +3134,7 @@
           <a:p>
             <a:fld id="{F8CAAD71-D53C-4447-AAA3-BC9075A67E69}" type="datetimeFigureOut">
               <a:rPr lang="ko-KR" altLang="en-US" smtClean="0"/>
-              <a:t>2021-04-29</a:t>
+              <a:t>2021-05-13</a:t>
             </a:fld>
             <a:endParaRPr lang="ko-KR" altLang="en-US" dirty="0"/>
           </a:p>
@@ -4936,9 +4936,9 @@
             <a:avLst/>
           </a:prstGeom>
           <a:solidFill>
-            <a:schemeClr val="bg1">
+            <a:srgbClr val="92D050">
               <a:alpha val="20000"/>
-            </a:schemeClr>
+            </a:srgbClr>
           </a:solidFill>
         </p:spPr>
         <p:txBody>
@@ -4971,7 +4971,7 @@
         </p:nvSpPr>
         <p:spPr>
           <a:xfrm>
-            <a:off x="11009376" y="5592510"/>
+            <a:off x="11003280" y="5584965"/>
             <a:ext cx="5071872" cy="3720236"/>
           </a:xfrm>
           <a:prstGeom prst="rect">
@@ -6323,6 +6323,13 @@
           <a:solidFill>
             <a:schemeClr val="accent2"/>
           </a:solidFill>
+          <a:ln>
+            <a:solidFill>
+              <a:schemeClr val="accent2">
+                <a:lumMod val="50000"/>
+              </a:schemeClr>
+            </a:solidFill>
+          </a:ln>
         </p:spPr>
         <p:style>
           <a:lnRef idx="2">
@@ -6354,7 +6361,7 @@
             <a:pPr algn="ctr"/>
             <a:r>
               <a:rPr lang="en-US" altLang="ko-KR" dirty="0"/>
-              <a:t>On</a:t>
+              <a:t>Off</a:t>
             </a:r>
             <a:endParaRPr lang="ko-KR" altLang="en-US" dirty="0"/>
           </a:p>

--- a/기획서/신버전/적대적 오브젝트 기획서.pptx
+++ b/기획서/신버전/적대적 오브젝트 기획서.pptx
@@ -5,10 +5,10 @@
     <p:sldMasterId id="2147483684" r:id="rId1"/>
   </p:sldMasterIdLst>
   <p:notesMasterIdLst>
-    <p:notesMasterId r:id="rId8"/>
+    <p:notesMasterId r:id="rId9"/>
   </p:notesMasterIdLst>
   <p:handoutMasterIdLst>
-    <p:handoutMasterId r:id="rId9"/>
+    <p:handoutMasterId r:id="rId10"/>
   </p:handoutMasterIdLst>
   <p:sldIdLst>
     <p:sldId id="256" r:id="rId2"/>
@@ -16,7 +16,8 @@
     <p:sldId id="258" r:id="rId4"/>
     <p:sldId id="259" r:id="rId5"/>
     <p:sldId id="260" r:id="rId6"/>
-    <p:sldId id="261" r:id="rId7"/>
+    <p:sldId id="262" r:id="rId7"/>
+    <p:sldId id="261" r:id="rId8"/>
   </p:sldIdLst>
   <p:sldSz cx="17610138" cy="9906000"/>
   <p:notesSz cx="6858000" cy="9144000"/>
@@ -229,7 +230,7 @@
           <a:p>
             <a:fld id="{D686C50E-113A-4B4A-8A5C-9EE1E9DBA064}" type="datetimeFigureOut">
               <a:rPr lang="ko-KR" altLang="en-US" smtClean="0"/>
-              <a:t>2021-05-13</a:t>
+              <a:t>2021-05-18</a:t>
             </a:fld>
             <a:endParaRPr lang="ko-KR" altLang="en-US" dirty="0"/>
           </a:p>
@@ -406,7 +407,7 @@
           <a:p>
             <a:fld id="{40EC3B2E-CA71-40FC-A78E-FA212ABD0BB7}" type="datetimeFigureOut">
               <a:rPr lang="ko-KR" altLang="en-US" smtClean="0"/>
-              <a:t>2021-05-13</a:t>
+              <a:t>2021-05-18</a:t>
             </a:fld>
             <a:endParaRPr lang="ko-KR" altLang="en-US" dirty="0"/>
           </a:p>
@@ -804,7 +805,7 @@
           <a:p>
             <a:fld id="{F8CAAD71-D53C-4447-AAA3-BC9075A67E69}" type="datetimeFigureOut">
               <a:rPr lang="ko-KR" altLang="en-US" smtClean="0"/>
-              <a:t>2021-05-13</a:t>
+              <a:t>2021-05-18</a:t>
             </a:fld>
             <a:endParaRPr lang="ko-KR" altLang="en-US" dirty="0"/>
           </a:p>
@@ -974,7 +975,7 @@
           <a:p>
             <a:fld id="{F8CAAD71-D53C-4447-AAA3-BC9075A67E69}" type="datetimeFigureOut">
               <a:rPr lang="ko-KR" altLang="en-US" smtClean="0"/>
-              <a:t>2021-05-13</a:t>
+              <a:t>2021-05-18</a:t>
             </a:fld>
             <a:endParaRPr lang="ko-KR" altLang="en-US" dirty="0"/>
           </a:p>
@@ -1154,7 +1155,7 @@
           <a:p>
             <a:fld id="{F8CAAD71-D53C-4447-AAA3-BC9075A67E69}" type="datetimeFigureOut">
               <a:rPr lang="ko-KR" altLang="en-US" smtClean="0"/>
-              <a:t>2021-05-13</a:t>
+              <a:t>2021-05-18</a:t>
             </a:fld>
             <a:endParaRPr lang="ko-KR" altLang="en-US" dirty="0"/>
           </a:p>
@@ -1324,7 +1325,7 @@
           <a:p>
             <a:fld id="{F8CAAD71-D53C-4447-AAA3-BC9075A67E69}" type="datetimeFigureOut">
               <a:rPr lang="ko-KR" altLang="en-US" smtClean="0"/>
-              <a:t>2021-05-13</a:t>
+              <a:t>2021-05-18</a:t>
             </a:fld>
             <a:endParaRPr lang="ko-KR" altLang="en-US" dirty="0"/>
           </a:p>
@@ -1570,7 +1571,7 @@
           <a:p>
             <a:fld id="{F8CAAD71-D53C-4447-AAA3-BC9075A67E69}" type="datetimeFigureOut">
               <a:rPr lang="ko-KR" altLang="en-US" smtClean="0"/>
-              <a:t>2021-05-13</a:t>
+              <a:t>2021-05-18</a:t>
             </a:fld>
             <a:endParaRPr lang="ko-KR" altLang="en-US" dirty="0"/>
           </a:p>
@@ -1802,7 +1803,7 @@
           <a:p>
             <a:fld id="{F8CAAD71-D53C-4447-AAA3-BC9075A67E69}" type="datetimeFigureOut">
               <a:rPr lang="ko-KR" altLang="en-US" smtClean="0"/>
-              <a:t>2021-05-13</a:t>
+              <a:t>2021-05-18</a:t>
             </a:fld>
             <a:endParaRPr lang="ko-KR" altLang="en-US" dirty="0"/>
           </a:p>
@@ -2169,7 +2170,7 @@
           <a:p>
             <a:fld id="{F8CAAD71-D53C-4447-AAA3-BC9075A67E69}" type="datetimeFigureOut">
               <a:rPr lang="ko-KR" altLang="en-US" smtClean="0"/>
-              <a:t>2021-05-13</a:t>
+              <a:t>2021-05-18</a:t>
             </a:fld>
             <a:endParaRPr lang="ko-KR" altLang="en-US" dirty="0"/>
           </a:p>
@@ -2287,7 +2288,7 @@
           <a:p>
             <a:fld id="{F8CAAD71-D53C-4447-AAA3-BC9075A67E69}" type="datetimeFigureOut">
               <a:rPr lang="ko-KR" altLang="en-US" smtClean="0"/>
-              <a:t>2021-05-13</a:t>
+              <a:t>2021-05-18</a:t>
             </a:fld>
             <a:endParaRPr lang="ko-KR" altLang="en-US" dirty="0"/>
           </a:p>
@@ -2382,7 +2383,7 @@
           <a:p>
             <a:fld id="{F8CAAD71-D53C-4447-AAA3-BC9075A67E69}" type="datetimeFigureOut">
               <a:rPr lang="ko-KR" altLang="en-US" smtClean="0"/>
-              <a:t>2021-05-13</a:t>
+              <a:t>2021-05-18</a:t>
             </a:fld>
             <a:endParaRPr lang="ko-KR" altLang="en-US" dirty="0"/>
           </a:p>
@@ -2659,7 +2660,7 @@
           <a:p>
             <a:fld id="{F8CAAD71-D53C-4447-AAA3-BC9075A67E69}" type="datetimeFigureOut">
               <a:rPr lang="ko-KR" altLang="en-US" smtClean="0"/>
-              <a:t>2021-05-13</a:t>
+              <a:t>2021-05-18</a:t>
             </a:fld>
             <a:endParaRPr lang="ko-KR" altLang="en-US" dirty="0"/>
           </a:p>
@@ -2916,7 +2917,7 @@
           <a:p>
             <a:fld id="{F8CAAD71-D53C-4447-AAA3-BC9075A67E69}" type="datetimeFigureOut">
               <a:rPr lang="ko-KR" altLang="en-US" smtClean="0"/>
-              <a:t>2021-05-13</a:t>
+              <a:t>2021-05-18</a:t>
             </a:fld>
             <a:endParaRPr lang="ko-KR" altLang="en-US" dirty="0"/>
           </a:p>
@@ -3134,7 +3135,7 @@
           <a:p>
             <a:fld id="{F8CAAD71-D53C-4447-AAA3-BC9075A67E69}" type="datetimeFigureOut">
               <a:rPr lang="ko-KR" altLang="en-US" smtClean="0"/>
-              <a:t>2021-05-13</a:t>
+              <a:t>2021-05-18</a:t>
             </a:fld>
             <a:endParaRPr lang="ko-KR" altLang="en-US" dirty="0"/>
           </a:p>
@@ -7133,6 +7134,142 @@
 </file>
 
 <file path=ppt/slides/slide6.xml><?xml version="1.0" encoding="utf-8"?>
+<p:sld xmlns:a="http://schemas.openxmlformats.org/drawingml/2006/main" xmlns:r="http://schemas.openxmlformats.org/officeDocument/2006/relationships" xmlns:p="http://schemas.openxmlformats.org/presentationml/2006/main">
+  <p:cSld>
+    <p:spTree>
+      <p:nvGrpSpPr>
+        <p:cNvPr id="1" name=""/>
+        <p:cNvGrpSpPr/>
+        <p:nvPr/>
+      </p:nvGrpSpPr>
+      <p:grpSpPr>
+        <a:xfrm>
+          <a:off x="0" y="0"/>
+          <a:ext cx="0" cy="0"/>
+          <a:chOff x="0" y="0"/>
+          <a:chExt cx="0" cy="0"/>
+        </a:xfrm>
+      </p:grpSpPr>
+      <p:sp>
+        <p:nvSpPr>
+          <p:cNvPr id="4" name="사각형: 둥근 모서리 3">
+            <a:extLst>
+              <a:ext uri="{FF2B5EF4-FFF2-40B4-BE49-F238E27FC236}">
+                <a16:creationId xmlns:a16="http://schemas.microsoft.com/office/drawing/2014/main" id="{6F5DE17A-90BB-4154-85F3-F03B42F78CD7}"/>
+              </a:ext>
+            </a:extLst>
+          </p:cNvPr>
+          <p:cNvSpPr/>
+          <p:nvPr/>
+        </p:nvSpPr>
+        <p:spPr>
+          <a:xfrm>
+            <a:off x="101601" y="993855"/>
+            <a:ext cx="17406942" cy="318170"/>
+          </a:xfrm>
+          <a:prstGeom prst="roundRect">
+            <a:avLst/>
+          </a:prstGeom>
+          <a:solidFill>
+            <a:schemeClr val="tx1"/>
+          </a:solidFill>
+          <a:ln>
+            <a:noFill/>
+          </a:ln>
+        </p:spPr>
+        <p:style>
+          <a:lnRef idx="2">
+            <a:schemeClr val="accent1">
+              <a:shade val="50000"/>
+            </a:schemeClr>
+          </a:lnRef>
+          <a:fillRef idx="1">
+            <a:schemeClr val="accent1"/>
+          </a:fillRef>
+          <a:effectRef idx="0">
+            <a:schemeClr val="accent1"/>
+          </a:effectRef>
+          <a:fontRef idx="minor">
+            <a:schemeClr val="lt1"/>
+          </a:fontRef>
+        </p:style>
+        <p:txBody>
+          <a:bodyPr rtlCol="0" anchor="ctr"/>
+          <a:lstStyle/>
+          <a:p>
+            <a:pPr algn="ctr"/>
+            <a:r>
+              <a:rPr lang="en-US" altLang="ko-KR" b="1" dirty="0">
+                <a:latin typeface="메이플스토리" panose="02000300000000000000" pitchFamily="2" charset="-127"/>
+                <a:ea typeface="메이플스토리" panose="02000300000000000000" pitchFamily="2" charset="-127"/>
+              </a:rPr>
+              <a:t>Spike – type3</a:t>
+            </a:r>
+            <a:endParaRPr lang="ko-KR" altLang="en-US" b="1" dirty="0">
+              <a:latin typeface="메이플스토리" panose="02000300000000000000" pitchFamily="2" charset="-127"/>
+              <a:ea typeface="메이플스토리" panose="02000300000000000000" pitchFamily="2" charset="-127"/>
+            </a:endParaRPr>
+          </a:p>
+        </p:txBody>
+      </p:sp>
+      <p:sp>
+        <p:nvSpPr>
+          <p:cNvPr id="5" name="직사각형 4">
+            <a:extLst>
+              <a:ext uri="{FF2B5EF4-FFF2-40B4-BE49-F238E27FC236}">
+                <a16:creationId xmlns:a16="http://schemas.microsoft.com/office/drawing/2014/main" id="{899DC653-F866-44CE-BCD4-95BFC689E41F}"/>
+              </a:ext>
+            </a:extLst>
+          </p:cNvPr>
+          <p:cNvSpPr/>
+          <p:nvPr/>
+        </p:nvSpPr>
+        <p:spPr>
+          <a:xfrm>
+            <a:off x="8132804" y="33681"/>
+            <a:ext cx="1344535" cy="923330"/>
+          </a:xfrm>
+          <a:prstGeom prst="rect">
+            <a:avLst/>
+          </a:prstGeom>
+          <a:noFill/>
+        </p:spPr>
+        <p:txBody>
+          <a:bodyPr wrap="none" lIns="91440" tIns="45720" rIns="91440" bIns="45720">
+            <a:spAutoFit/>
+          </a:bodyPr>
+          <a:lstStyle/>
+          <a:p>
+            <a:pPr algn="ctr"/>
+            <a:r>
+              <a:rPr lang="en-US" altLang="ko-KR" sz="5400" b="1" dirty="0">
+                <a:ln w="0">
+                  <a:solidFill>
+                    <a:schemeClr val="bg1"/>
+                  </a:solidFill>
+                </a:ln>
+                <a:latin typeface="+mj-ea"/>
+                <a:ea typeface="+mj-ea"/>
+              </a:rPr>
+              <a:t>WA</a:t>
+            </a:r>
+          </a:p>
+        </p:txBody>
+      </p:sp>
+    </p:spTree>
+    <p:extLst>
+      <p:ext uri="{BB962C8B-B14F-4D97-AF65-F5344CB8AC3E}">
+        <p14:creationId xmlns:p14="http://schemas.microsoft.com/office/powerpoint/2010/main" val="1414398833"/>
+      </p:ext>
+    </p:extLst>
+  </p:cSld>
+  <p:clrMapOvr>
+    <a:masterClrMapping/>
+  </p:clrMapOvr>
+</p:sld>
+</file>
+
+<file path=ppt/slides/slide7.xml><?xml version="1.0" encoding="utf-8"?>
 <p:sld xmlns:a="http://schemas.openxmlformats.org/drawingml/2006/main" xmlns:r="http://schemas.openxmlformats.org/officeDocument/2006/relationships" xmlns:p="http://schemas.openxmlformats.org/presentationml/2006/main">
   <p:cSld>
     <p:spTree>

--- a/기획서/신버전/적대적 오브젝트 기획서.pptx
+++ b/기획서/신버전/적대적 오브젝트 기획서.pptx
@@ -5,10 +5,10 @@
     <p:sldMasterId id="2147483684" r:id="rId1"/>
   </p:sldMasterIdLst>
   <p:notesMasterIdLst>
-    <p:notesMasterId r:id="rId9"/>
+    <p:notesMasterId r:id="rId10"/>
   </p:notesMasterIdLst>
   <p:handoutMasterIdLst>
-    <p:handoutMasterId r:id="rId10"/>
+    <p:handoutMasterId r:id="rId11"/>
   </p:handoutMasterIdLst>
   <p:sldIdLst>
     <p:sldId id="256" r:id="rId2"/>
@@ -18,6 +18,7 @@
     <p:sldId id="260" r:id="rId6"/>
     <p:sldId id="262" r:id="rId7"/>
     <p:sldId id="261" r:id="rId8"/>
+    <p:sldId id="263" r:id="rId9"/>
   </p:sldIdLst>
   <p:sldSz cx="17610138" cy="9906000"/>
   <p:notesSz cx="6858000" cy="9144000"/>
@@ -230,7 +231,7 @@
           <a:p>
             <a:fld id="{D686C50E-113A-4B4A-8A5C-9EE1E9DBA064}" type="datetimeFigureOut">
               <a:rPr lang="ko-KR" altLang="en-US" smtClean="0"/>
-              <a:t>2021-05-18</a:t>
+              <a:t>2021-05-20</a:t>
             </a:fld>
             <a:endParaRPr lang="ko-KR" altLang="en-US" dirty="0"/>
           </a:p>
@@ -407,7 +408,7 @@
           <a:p>
             <a:fld id="{40EC3B2E-CA71-40FC-A78E-FA212ABD0BB7}" type="datetimeFigureOut">
               <a:rPr lang="ko-KR" altLang="en-US" smtClean="0"/>
-              <a:t>2021-05-18</a:t>
+              <a:t>2021-05-20</a:t>
             </a:fld>
             <a:endParaRPr lang="ko-KR" altLang="en-US" dirty="0"/>
           </a:p>
@@ -805,7 +806,7 @@
           <a:p>
             <a:fld id="{F8CAAD71-D53C-4447-AAA3-BC9075A67E69}" type="datetimeFigureOut">
               <a:rPr lang="ko-KR" altLang="en-US" smtClean="0"/>
-              <a:t>2021-05-18</a:t>
+              <a:t>2021-05-20</a:t>
             </a:fld>
             <a:endParaRPr lang="ko-KR" altLang="en-US" dirty="0"/>
           </a:p>
@@ -975,7 +976,7 @@
           <a:p>
             <a:fld id="{F8CAAD71-D53C-4447-AAA3-BC9075A67E69}" type="datetimeFigureOut">
               <a:rPr lang="ko-KR" altLang="en-US" smtClean="0"/>
-              <a:t>2021-05-18</a:t>
+              <a:t>2021-05-20</a:t>
             </a:fld>
             <a:endParaRPr lang="ko-KR" altLang="en-US" dirty="0"/>
           </a:p>
@@ -1155,7 +1156,7 @@
           <a:p>
             <a:fld id="{F8CAAD71-D53C-4447-AAA3-BC9075A67E69}" type="datetimeFigureOut">
               <a:rPr lang="ko-KR" altLang="en-US" smtClean="0"/>
-              <a:t>2021-05-18</a:t>
+              <a:t>2021-05-20</a:t>
             </a:fld>
             <a:endParaRPr lang="ko-KR" altLang="en-US" dirty="0"/>
           </a:p>
@@ -1325,7 +1326,7 @@
           <a:p>
             <a:fld id="{F8CAAD71-D53C-4447-AAA3-BC9075A67E69}" type="datetimeFigureOut">
               <a:rPr lang="ko-KR" altLang="en-US" smtClean="0"/>
-              <a:t>2021-05-18</a:t>
+              <a:t>2021-05-20</a:t>
             </a:fld>
             <a:endParaRPr lang="ko-KR" altLang="en-US" dirty="0"/>
           </a:p>
@@ -1571,7 +1572,7 @@
           <a:p>
             <a:fld id="{F8CAAD71-D53C-4447-AAA3-BC9075A67E69}" type="datetimeFigureOut">
               <a:rPr lang="ko-KR" altLang="en-US" smtClean="0"/>
-              <a:t>2021-05-18</a:t>
+              <a:t>2021-05-20</a:t>
             </a:fld>
             <a:endParaRPr lang="ko-KR" altLang="en-US" dirty="0"/>
           </a:p>
@@ -1803,7 +1804,7 @@
           <a:p>
             <a:fld id="{F8CAAD71-D53C-4447-AAA3-BC9075A67E69}" type="datetimeFigureOut">
               <a:rPr lang="ko-KR" altLang="en-US" smtClean="0"/>
-              <a:t>2021-05-18</a:t>
+              <a:t>2021-05-20</a:t>
             </a:fld>
             <a:endParaRPr lang="ko-KR" altLang="en-US" dirty="0"/>
           </a:p>
@@ -2170,7 +2171,7 @@
           <a:p>
             <a:fld id="{F8CAAD71-D53C-4447-AAA3-BC9075A67E69}" type="datetimeFigureOut">
               <a:rPr lang="ko-KR" altLang="en-US" smtClean="0"/>
-              <a:t>2021-05-18</a:t>
+              <a:t>2021-05-20</a:t>
             </a:fld>
             <a:endParaRPr lang="ko-KR" altLang="en-US" dirty="0"/>
           </a:p>
@@ -2288,7 +2289,7 @@
           <a:p>
             <a:fld id="{F8CAAD71-D53C-4447-AAA3-BC9075A67E69}" type="datetimeFigureOut">
               <a:rPr lang="ko-KR" altLang="en-US" smtClean="0"/>
-              <a:t>2021-05-18</a:t>
+              <a:t>2021-05-20</a:t>
             </a:fld>
             <a:endParaRPr lang="ko-KR" altLang="en-US" dirty="0"/>
           </a:p>
@@ -2383,7 +2384,7 @@
           <a:p>
             <a:fld id="{F8CAAD71-D53C-4447-AAA3-BC9075A67E69}" type="datetimeFigureOut">
               <a:rPr lang="ko-KR" altLang="en-US" smtClean="0"/>
-              <a:t>2021-05-18</a:t>
+              <a:t>2021-05-20</a:t>
             </a:fld>
             <a:endParaRPr lang="ko-KR" altLang="en-US" dirty="0"/>
           </a:p>
@@ -2660,7 +2661,7 @@
           <a:p>
             <a:fld id="{F8CAAD71-D53C-4447-AAA3-BC9075A67E69}" type="datetimeFigureOut">
               <a:rPr lang="ko-KR" altLang="en-US" smtClean="0"/>
-              <a:t>2021-05-18</a:t>
+              <a:t>2021-05-20</a:t>
             </a:fld>
             <a:endParaRPr lang="ko-KR" altLang="en-US" dirty="0"/>
           </a:p>
@@ -2917,7 +2918,7 @@
           <a:p>
             <a:fld id="{F8CAAD71-D53C-4447-AAA3-BC9075A67E69}" type="datetimeFigureOut">
               <a:rPr lang="ko-KR" altLang="en-US" smtClean="0"/>
-              <a:t>2021-05-18</a:t>
+              <a:t>2021-05-20</a:t>
             </a:fld>
             <a:endParaRPr lang="ko-KR" altLang="en-US" dirty="0"/>
           </a:p>
@@ -3135,7 +3136,7 @@
           <a:p>
             <a:fld id="{F8CAAD71-D53C-4447-AAA3-BC9075A67E69}" type="datetimeFigureOut">
               <a:rPr lang="ko-KR" altLang="en-US" smtClean="0"/>
-              <a:t>2021-05-18</a:t>
+              <a:t>2021-05-20</a:t>
             </a:fld>
             <a:endParaRPr lang="ko-KR" altLang="en-US" dirty="0"/>
           </a:p>
@@ -9040,6 +9041,142 @@
     <p:extLst>
       <p:ext uri="{BB962C8B-B14F-4D97-AF65-F5344CB8AC3E}">
         <p14:creationId xmlns:p14="http://schemas.microsoft.com/office/powerpoint/2010/main" val="2397092189"/>
+      </p:ext>
+    </p:extLst>
+  </p:cSld>
+  <p:clrMapOvr>
+    <a:masterClrMapping/>
+  </p:clrMapOvr>
+</p:sld>
+</file>
+
+<file path=ppt/slides/slide8.xml><?xml version="1.0" encoding="utf-8"?>
+<p:sld xmlns:a="http://schemas.openxmlformats.org/drawingml/2006/main" xmlns:r="http://schemas.openxmlformats.org/officeDocument/2006/relationships" xmlns:p="http://schemas.openxmlformats.org/presentationml/2006/main">
+  <p:cSld>
+    <p:spTree>
+      <p:nvGrpSpPr>
+        <p:cNvPr id="1" name=""/>
+        <p:cNvGrpSpPr/>
+        <p:nvPr/>
+      </p:nvGrpSpPr>
+      <p:grpSpPr>
+        <a:xfrm>
+          <a:off x="0" y="0"/>
+          <a:ext cx="0" cy="0"/>
+          <a:chOff x="0" y="0"/>
+          <a:chExt cx="0" cy="0"/>
+        </a:xfrm>
+      </p:grpSpPr>
+      <p:sp>
+        <p:nvSpPr>
+          <p:cNvPr id="8" name="사각형: 둥근 모서리 7">
+            <a:extLst>
+              <a:ext uri="{FF2B5EF4-FFF2-40B4-BE49-F238E27FC236}">
+                <a16:creationId xmlns:a16="http://schemas.microsoft.com/office/drawing/2014/main" id="{6621E09A-072E-4221-9694-044F1CE109E0}"/>
+              </a:ext>
+            </a:extLst>
+          </p:cNvPr>
+          <p:cNvSpPr/>
+          <p:nvPr/>
+        </p:nvSpPr>
+        <p:spPr>
+          <a:xfrm>
+            <a:off x="101601" y="993855"/>
+            <a:ext cx="17406942" cy="318170"/>
+          </a:xfrm>
+          <a:prstGeom prst="roundRect">
+            <a:avLst/>
+          </a:prstGeom>
+          <a:solidFill>
+            <a:schemeClr val="tx1"/>
+          </a:solidFill>
+          <a:ln>
+            <a:noFill/>
+          </a:ln>
+        </p:spPr>
+        <p:style>
+          <a:lnRef idx="2">
+            <a:schemeClr val="accent1">
+              <a:shade val="50000"/>
+            </a:schemeClr>
+          </a:lnRef>
+          <a:fillRef idx="1">
+            <a:schemeClr val="accent1"/>
+          </a:fillRef>
+          <a:effectRef idx="0">
+            <a:schemeClr val="accent1"/>
+          </a:effectRef>
+          <a:fontRef idx="minor">
+            <a:schemeClr val="lt1"/>
+          </a:fontRef>
+        </p:style>
+        <p:txBody>
+          <a:bodyPr rtlCol="0" anchor="ctr"/>
+          <a:lstStyle/>
+          <a:p>
+            <a:pPr algn="ctr"/>
+            <a:r>
+              <a:rPr lang="en-US" altLang="ko-KR" b="1" dirty="0">
+                <a:latin typeface="메이플스토리" panose="02000300000000000000" pitchFamily="2" charset="-127"/>
+                <a:ea typeface="메이플스토리" panose="02000300000000000000" pitchFamily="2" charset="-127"/>
+              </a:rPr>
+              <a:t>Laser</a:t>
+            </a:r>
+            <a:endParaRPr lang="ko-KR" altLang="en-US" b="1" dirty="0">
+              <a:latin typeface="메이플스토리" panose="02000300000000000000" pitchFamily="2" charset="-127"/>
+              <a:ea typeface="메이플스토리" panose="02000300000000000000" pitchFamily="2" charset="-127"/>
+            </a:endParaRPr>
+          </a:p>
+        </p:txBody>
+      </p:sp>
+      <p:sp>
+        <p:nvSpPr>
+          <p:cNvPr id="9" name="직사각형 8">
+            <a:extLst>
+              <a:ext uri="{FF2B5EF4-FFF2-40B4-BE49-F238E27FC236}">
+                <a16:creationId xmlns:a16="http://schemas.microsoft.com/office/drawing/2014/main" id="{94F2371C-0352-412D-8908-A2E16DD190D5}"/>
+              </a:ext>
+            </a:extLst>
+          </p:cNvPr>
+          <p:cNvSpPr/>
+          <p:nvPr/>
+        </p:nvSpPr>
+        <p:spPr>
+          <a:xfrm>
+            <a:off x="8132804" y="33681"/>
+            <a:ext cx="1344535" cy="923330"/>
+          </a:xfrm>
+          <a:prstGeom prst="rect">
+            <a:avLst/>
+          </a:prstGeom>
+          <a:noFill/>
+        </p:spPr>
+        <p:txBody>
+          <a:bodyPr wrap="none" lIns="91440" tIns="45720" rIns="91440" bIns="45720">
+            <a:spAutoFit/>
+          </a:bodyPr>
+          <a:lstStyle/>
+          <a:p>
+            <a:pPr algn="ctr"/>
+            <a:r>
+              <a:rPr lang="en-US" altLang="ko-KR" sz="5400" b="1" dirty="0">
+                <a:ln w="0">
+                  <a:solidFill>
+                    <a:schemeClr val="bg1"/>
+                  </a:solidFill>
+                </a:ln>
+                <a:latin typeface="+mj-ea"/>
+                <a:ea typeface="+mj-ea"/>
+              </a:rPr>
+              <a:t>WA</a:t>
+            </a:r>
+          </a:p>
+        </p:txBody>
+      </p:sp>
+    </p:spTree>
+    <p:extLst>
+      <p:ext uri="{BB962C8B-B14F-4D97-AF65-F5344CB8AC3E}">
+        <p14:creationId xmlns:p14="http://schemas.microsoft.com/office/powerpoint/2010/main" val="505992481"/>
       </p:ext>
     </p:extLst>
   </p:cSld>

--- a/기획서/신버전/적대적 오브젝트 기획서.pptx
+++ b/기획서/신버전/적대적 오브젝트 기획서.pptx
@@ -5,10 +5,10 @@
     <p:sldMasterId id="2147483684" r:id="rId1"/>
   </p:sldMasterIdLst>
   <p:notesMasterIdLst>
-    <p:notesMasterId r:id="rId10"/>
+    <p:notesMasterId r:id="rId9"/>
   </p:notesMasterIdLst>
   <p:handoutMasterIdLst>
-    <p:handoutMasterId r:id="rId11"/>
+    <p:handoutMasterId r:id="rId10"/>
   </p:handoutMasterIdLst>
   <p:sldIdLst>
     <p:sldId id="256" r:id="rId2"/>
@@ -18,7 +18,6 @@
     <p:sldId id="260" r:id="rId6"/>
     <p:sldId id="262" r:id="rId7"/>
     <p:sldId id="261" r:id="rId8"/>
-    <p:sldId id="263" r:id="rId9"/>
   </p:sldIdLst>
   <p:sldSz cx="17610138" cy="9906000"/>
   <p:notesSz cx="6858000" cy="9144000"/>
@@ -9041,142 +9040,6 @@
     <p:extLst>
       <p:ext uri="{BB962C8B-B14F-4D97-AF65-F5344CB8AC3E}">
         <p14:creationId xmlns:p14="http://schemas.microsoft.com/office/powerpoint/2010/main" val="2397092189"/>
-      </p:ext>
-    </p:extLst>
-  </p:cSld>
-  <p:clrMapOvr>
-    <a:masterClrMapping/>
-  </p:clrMapOvr>
-</p:sld>
-</file>
-
-<file path=ppt/slides/slide8.xml><?xml version="1.0" encoding="utf-8"?>
-<p:sld xmlns:a="http://schemas.openxmlformats.org/drawingml/2006/main" xmlns:r="http://schemas.openxmlformats.org/officeDocument/2006/relationships" xmlns:p="http://schemas.openxmlformats.org/presentationml/2006/main">
-  <p:cSld>
-    <p:spTree>
-      <p:nvGrpSpPr>
-        <p:cNvPr id="1" name=""/>
-        <p:cNvGrpSpPr/>
-        <p:nvPr/>
-      </p:nvGrpSpPr>
-      <p:grpSpPr>
-        <a:xfrm>
-          <a:off x="0" y="0"/>
-          <a:ext cx="0" cy="0"/>
-          <a:chOff x="0" y="0"/>
-          <a:chExt cx="0" cy="0"/>
-        </a:xfrm>
-      </p:grpSpPr>
-      <p:sp>
-        <p:nvSpPr>
-          <p:cNvPr id="8" name="사각형: 둥근 모서리 7">
-            <a:extLst>
-              <a:ext uri="{FF2B5EF4-FFF2-40B4-BE49-F238E27FC236}">
-                <a16:creationId xmlns:a16="http://schemas.microsoft.com/office/drawing/2014/main" id="{6621E09A-072E-4221-9694-044F1CE109E0}"/>
-              </a:ext>
-            </a:extLst>
-          </p:cNvPr>
-          <p:cNvSpPr/>
-          <p:nvPr/>
-        </p:nvSpPr>
-        <p:spPr>
-          <a:xfrm>
-            <a:off x="101601" y="993855"/>
-            <a:ext cx="17406942" cy="318170"/>
-          </a:xfrm>
-          <a:prstGeom prst="roundRect">
-            <a:avLst/>
-          </a:prstGeom>
-          <a:solidFill>
-            <a:schemeClr val="tx1"/>
-          </a:solidFill>
-          <a:ln>
-            <a:noFill/>
-          </a:ln>
-        </p:spPr>
-        <p:style>
-          <a:lnRef idx="2">
-            <a:schemeClr val="accent1">
-              <a:shade val="50000"/>
-            </a:schemeClr>
-          </a:lnRef>
-          <a:fillRef idx="1">
-            <a:schemeClr val="accent1"/>
-          </a:fillRef>
-          <a:effectRef idx="0">
-            <a:schemeClr val="accent1"/>
-          </a:effectRef>
-          <a:fontRef idx="minor">
-            <a:schemeClr val="lt1"/>
-          </a:fontRef>
-        </p:style>
-        <p:txBody>
-          <a:bodyPr rtlCol="0" anchor="ctr"/>
-          <a:lstStyle/>
-          <a:p>
-            <a:pPr algn="ctr"/>
-            <a:r>
-              <a:rPr lang="en-US" altLang="ko-KR" b="1" dirty="0">
-                <a:latin typeface="메이플스토리" panose="02000300000000000000" pitchFamily="2" charset="-127"/>
-                <a:ea typeface="메이플스토리" panose="02000300000000000000" pitchFamily="2" charset="-127"/>
-              </a:rPr>
-              <a:t>Laser</a:t>
-            </a:r>
-            <a:endParaRPr lang="ko-KR" altLang="en-US" b="1" dirty="0">
-              <a:latin typeface="메이플스토리" panose="02000300000000000000" pitchFamily="2" charset="-127"/>
-              <a:ea typeface="메이플스토리" panose="02000300000000000000" pitchFamily="2" charset="-127"/>
-            </a:endParaRPr>
-          </a:p>
-        </p:txBody>
-      </p:sp>
-      <p:sp>
-        <p:nvSpPr>
-          <p:cNvPr id="9" name="직사각형 8">
-            <a:extLst>
-              <a:ext uri="{FF2B5EF4-FFF2-40B4-BE49-F238E27FC236}">
-                <a16:creationId xmlns:a16="http://schemas.microsoft.com/office/drawing/2014/main" id="{94F2371C-0352-412D-8908-A2E16DD190D5}"/>
-              </a:ext>
-            </a:extLst>
-          </p:cNvPr>
-          <p:cNvSpPr/>
-          <p:nvPr/>
-        </p:nvSpPr>
-        <p:spPr>
-          <a:xfrm>
-            <a:off x="8132804" y="33681"/>
-            <a:ext cx="1344535" cy="923330"/>
-          </a:xfrm>
-          <a:prstGeom prst="rect">
-            <a:avLst/>
-          </a:prstGeom>
-          <a:noFill/>
-        </p:spPr>
-        <p:txBody>
-          <a:bodyPr wrap="none" lIns="91440" tIns="45720" rIns="91440" bIns="45720">
-            <a:spAutoFit/>
-          </a:bodyPr>
-          <a:lstStyle/>
-          <a:p>
-            <a:pPr algn="ctr"/>
-            <a:r>
-              <a:rPr lang="en-US" altLang="ko-KR" sz="5400" b="1" dirty="0">
-                <a:ln w="0">
-                  <a:solidFill>
-                    <a:schemeClr val="bg1"/>
-                  </a:solidFill>
-                </a:ln>
-                <a:latin typeface="+mj-ea"/>
-                <a:ea typeface="+mj-ea"/>
-              </a:rPr>
-              <a:t>WA</a:t>
-            </a:r>
-          </a:p>
-        </p:txBody>
-      </p:sp>
-    </p:spTree>
-    <p:extLst>
-      <p:ext uri="{BB962C8B-B14F-4D97-AF65-F5344CB8AC3E}">
-        <p14:creationId xmlns:p14="http://schemas.microsoft.com/office/powerpoint/2010/main" val="505992481"/>
       </p:ext>
     </p:extLst>
   </p:cSld>
